--- a/Ressources/Images/images.pptx
+++ b/Ressources/Images/images.pptx
@@ -195,7 +195,7 @@
           <a:p>
             <a:fld id="{B6B5C0F0-8EF0-0A4B-9E6F-A3A4D8EF6C8B}" type="datetimeFigureOut">
               <a:rPr lang="fr-FR" smtClean="0"/>
-              <a:t>02/05/17</a:t>
+              <a:t>13/05/17</a:t>
             </a:fld>
             <a:endParaRPr lang="fr-FR"/>
           </a:p>
@@ -597,11 +597,7 @@
           <a:p>
             <a:r>
               <a:rPr lang="fr-FR" dirty="0" smtClean="0"/>
-              <a:t>Schéma </a:t>
-            </a:r>
-            <a:r>
-              <a:rPr lang="fr-FR" dirty="0" smtClean="0"/>
-              <a:t>pin </a:t>
+              <a:t>Schéma pin </a:t>
             </a:r>
             <a:r>
               <a:rPr lang="fr-FR" smtClean="0"/>
@@ -693,11 +689,7 @@
           <a:p>
             <a:r>
               <a:rPr lang="fr-FR" dirty="0" smtClean="0"/>
-              <a:t>A</a:t>
-            </a:r>
-            <a:r>
-              <a:rPr lang="fr-FR" dirty="0" smtClean="0"/>
-              <a:t>xes de la </a:t>
+              <a:t>Axes de la </a:t>
             </a:r>
             <a:r>
               <a:rPr lang="fr-FR" dirty="0" err="1" smtClean="0"/>
@@ -1012,7 +1004,7 @@
           <a:p>
             <a:fld id="{5ECE0FF0-0B5A-0843-A407-9E3AB4806DF3}" type="datetimeFigureOut">
               <a:rPr lang="fr-FR" smtClean="0"/>
-              <a:t>02/05/17</a:t>
+              <a:t>13/05/17</a:t>
             </a:fld>
             <a:endParaRPr lang="fr-FR"/>
           </a:p>
@@ -1182,7 +1174,7 @@
           <a:p>
             <a:fld id="{5ECE0FF0-0B5A-0843-A407-9E3AB4806DF3}" type="datetimeFigureOut">
               <a:rPr lang="fr-FR" smtClean="0"/>
-              <a:t>02/05/17</a:t>
+              <a:t>13/05/17</a:t>
             </a:fld>
             <a:endParaRPr lang="fr-FR"/>
           </a:p>
@@ -1362,7 +1354,7 @@
           <a:p>
             <a:fld id="{5ECE0FF0-0B5A-0843-A407-9E3AB4806DF3}" type="datetimeFigureOut">
               <a:rPr lang="fr-FR" smtClean="0"/>
-              <a:t>02/05/17</a:t>
+              <a:t>13/05/17</a:t>
             </a:fld>
             <a:endParaRPr lang="fr-FR"/>
           </a:p>
@@ -1532,7 +1524,7 @@
           <a:p>
             <a:fld id="{5ECE0FF0-0B5A-0843-A407-9E3AB4806DF3}" type="datetimeFigureOut">
               <a:rPr lang="fr-FR" smtClean="0"/>
-              <a:t>02/05/17</a:t>
+              <a:t>13/05/17</a:t>
             </a:fld>
             <a:endParaRPr lang="fr-FR"/>
           </a:p>
@@ -1778,7 +1770,7 @@
           <a:p>
             <a:fld id="{5ECE0FF0-0B5A-0843-A407-9E3AB4806DF3}" type="datetimeFigureOut">
               <a:rPr lang="fr-FR" smtClean="0"/>
-              <a:t>02/05/17</a:t>
+              <a:t>13/05/17</a:t>
             </a:fld>
             <a:endParaRPr lang="fr-FR"/>
           </a:p>
@@ -2066,7 +2058,7 @@
           <a:p>
             <a:fld id="{5ECE0FF0-0B5A-0843-A407-9E3AB4806DF3}" type="datetimeFigureOut">
               <a:rPr lang="fr-FR" smtClean="0"/>
-              <a:t>02/05/17</a:t>
+              <a:t>13/05/17</a:t>
             </a:fld>
             <a:endParaRPr lang="fr-FR"/>
           </a:p>
@@ -2488,7 +2480,7 @@
           <a:p>
             <a:fld id="{5ECE0FF0-0B5A-0843-A407-9E3AB4806DF3}" type="datetimeFigureOut">
               <a:rPr lang="fr-FR" smtClean="0"/>
-              <a:t>02/05/17</a:t>
+              <a:t>13/05/17</a:t>
             </a:fld>
             <a:endParaRPr lang="fr-FR"/>
           </a:p>
@@ -2606,7 +2598,7 @@
           <a:p>
             <a:fld id="{5ECE0FF0-0B5A-0843-A407-9E3AB4806DF3}" type="datetimeFigureOut">
               <a:rPr lang="fr-FR" smtClean="0"/>
-              <a:t>02/05/17</a:t>
+              <a:t>13/05/17</a:t>
             </a:fld>
             <a:endParaRPr lang="fr-FR"/>
           </a:p>
@@ -2701,7 +2693,7 @@
           <a:p>
             <a:fld id="{5ECE0FF0-0B5A-0843-A407-9E3AB4806DF3}" type="datetimeFigureOut">
               <a:rPr lang="fr-FR" smtClean="0"/>
-              <a:t>02/05/17</a:t>
+              <a:t>13/05/17</a:t>
             </a:fld>
             <a:endParaRPr lang="fr-FR"/>
           </a:p>
@@ -2978,7 +2970,7 @@
           <a:p>
             <a:fld id="{5ECE0FF0-0B5A-0843-A407-9E3AB4806DF3}" type="datetimeFigureOut">
               <a:rPr lang="fr-FR" smtClean="0"/>
-              <a:t>02/05/17</a:t>
+              <a:t>13/05/17</a:t>
             </a:fld>
             <a:endParaRPr lang="fr-FR"/>
           </a:p>
@@ -3231,7 +3223,7 @@
           <a:p>
             <a:fld id="{5ECE0FF0-0B5A-0843-A407-9E3AB4806DF3}" type="datetimeFigureOut">
               <a:rPr lang="fr-FR" smtClean="0"/>
-              <a:t>02/05/17</a:t>
+              <a:t>13/05/17</a:t>
             </a:fld>
             <a:endParaRPr lang="fr-FR"/>
           </a:p>
@@ -3444,7 +3436,7 @@
           <a:p>
             <a:fld id="{5ECE0FF0-0B5A-0843-A407-9E3AB4806DF3}" type="datetimeFigureOut">
               <a:rPr lang="fr-FR" smtClean="0"/>
-              <a:t>02/05/17</a:t>
+              <a:t>13/05/17</a:t>
             </a:fld>
             <a:endParaRPr lang="fr-FR"/>
           </a:p>
@@ -5976,6 +5968,120 @@
             <a:chExt cx="6240567" cy="6249494"/>
           </a:xfrm>
         </p:grpSpPr>
+        <p:cxnSp>
+          <p:nvCxnSpPr>
+            <p:cNvPr id="8" name="Connecteur droit avec flèche 7"/>
+            <p:cNvCxnSpPr>
+              <a:stCxn id="4" idx="1"/>
+            </p:cNvCxnSpPr>
+            <p:nvPr/>
+          </p:nvCxnSpPr>
+          <p:spPr>
+            <a:xfrm flipH="1">
+              <a:off x="4426000" y="4891929"/>
+              <a:ext cx="932169" cy="186414"/>
+            </a:xfrm>
+            <a:prstGeom prst="straightConnector1">
+              <a:avLst/>
+            </a:prstGeom>
+            <a:ln>
+              <a:solidFill>
+                <a:srgbClr val="F79646"/>
+              </a:solidFill>
+              <a:tailEnd type="arrow"/>
+            </a:ln>
+          </p:spPr>
+          <p:style>
+            <a:lnRef idx="2">
+              <a:schemeClr val="accent1"/>
+            </a:lnRef>
+            <a:fillRef idx="0">
+              <a:schemeClr val="accent1"/>
+            </a:fillRef>
+            <a:effectRef idx="1">
+              <a:schemeClr val="accent1"/>
+            </a:effectRef>
+            <a:fontRef idx="minor">
+              <a:schemeClr val="tx1"/>
+            </a:fontRef>
+          </p:style>
+        </p:cxnSp>
+        <p:cxnSp>
+          <p:nvCxnSpPr>
+            <p:cNvPr id="11" name="Connecteur droit avec flèche 10"/>
+            <p:cNvCxnSpPr>
+              <a:stCxn id="5" idx="1"/>
+            </p:cNvCxnSpPr>
+            <p:nvPr/>
+          </p:nvCxnSpPr>
+          <p:spPr>
+            <a:xfrm flipH="1">
+              <a:off x="4426000" y="3857816"/>
+              <a:ext cx="932169" cy="753098"/>
+            </a:xfrm>
+            <a:prstGeom prst="straightConnector1">
+              <a:avLst/>
+            </a:prstGeom>
+            <a:ln>
+              <a:solidFill>
+                <a:srgbClr val="F79646"/>
+              </a:solidFill>
+              <a:tailEnd type="arrow"/>
+            </a:ln>
+          </p:spPr>
+          <p:style>
+            <a:lnRef idx="2">
+              <a:schemeClr val="accent1"/>
+            </a:lnRef>
+            <a:fillRef idx="0">
+              <a:schemeClr val="accent1"/>
+            </a:fillRef>
+            <a:effectRef idx="1">
+              <a:schemeClr val="accent1"/>
+            </a:effectRef>
+            <a:fontRef idx="minor">
+              <a:schemeClr val="tx1"/>
+            </a:fontRef>
+          </p:style>
+        </p:cxnSp>
+        <p:cxnSp>
+          <p:nvCxnSpPr>
+            <p:cNvPr id="7" name="Connecteur droit avec flèche 6"/>
+            <p:cNvCxnSpPr>
+              <a:stCxn id="3" idx="1"/>
+            </p:cNvCxnSpPr>
+            <p:nvPr/>
+          </p:nvCxnSpPr>
+          <p:spPr>
+            <a:xfrm flipH="1">
+              <a:off x="4426000" y="4378352"/>
+              <a:ext cx="932169" cy="477686"/>
+            </a:xfrm>
+            <a:prstGeom prst="straightConnector1">
+              <a:avLst/>
+            </a:prstGeom>
+            <a:ln>
+              <a:solidFill>
+                <a:srgbClr val="F79646"/>
+              </a:solidFill>
+              <a:tailEnd type="arrow"/>
+            </a:ln>
+          </p:spPr>
+          <p:style>
+            <a:lnRef idx="2">
+              <a:schemeClr val="accent1"/>
+            </a:lnRef>
+            <a:fillRef idx="0">
+              <a:schemeClr val="accent1"/>
+            </a:fillRef>
+            <a:effectRef idx="1">
+              <a:schemeClr val="accent1"/>
+            </a:effectRef>
+            <a:fontRef idx="minor">
+              <a:schemeClr val="tx1"/>
+            </a:fontRef>
+          </p:style>
+        </p:cxnSp>
         <p:pic>
           <p:nvPicPr>
             <p:cNvPr id="2" name="Image 1" descr="Screen Shot 2017-04-18 at 08.35.23.png"/>
@@ -6162,7 +6268,7 @@
           </p:nvSpPr>
           <p:spPr>
             <a:xfrm>
-              <a:off x="5358169" y="5232620"/>
+              <a:off x="5358169" y="3671402"/>
               <a:ext cx="2015817" cy="372828"/>
             </a:xfrm>
             <a:prstGeom prst="rect">
@@ -6191,126 +6297,16 @@
             <a:p>
               <a:r>
                 <a:rPr lang="fr-FR" dirty="0" smtClean="0"/>
-                <a:t>D12 PWM  Lacet</a:t>
+                <a:t>D9 </a:t>
+              </a:r>
+              <a:r>
+                <a:rPr lang="fr-FR" dirty="0" smtClean="0"/>
+                <a:t>PWM  Lacet</a:t>
               </a:r>
               <a:endParaRPr lang="fr-FR" dirty="0"/>
             </a:p>
           </p:txBody>
         </p:sp>
-        <p:cxnSp>
-          <p:nvCxnSpPr>
-            <p:cNvPr id="7" name="Connecteur droit avec flèche 6"/>
-            <p:cNvCxnSpPr>
-              <a:stCxn id="3" idx="1"/>
-            </p:cNvCxnSpPr>
-            <p:nvPr/>
-          </p:nvCxnSpPr>
-          <p:spPr>
-            <a:xfrm flipH="1">
-              <a:off x="4426000" y="4378352"/>
-              <a:ext cx="932169" cy="477686"/>
-            </a:xfrm>
-            <a:prstGeom prst="straightConnector1">
-              <a:avLst/>
-            </a:prstGeom>
-            <a:ln>
-              <a:solidFill>
-                <a:srgbClr val="F79646"/>
-              </a:solidFill>
-              <a:tailEnd type="arrow"/>
-            </a:ln>
-          </p:spPr>
-          <p:style>
-            <a:lnRef idx="2">
-              <a:schemeClr val="accent1"/>
-            </a:lnRef>
-            <a:fillRef idx="0">
-              <a:schemeClr val="accent1"/>
-            </a:fillRef>
-            <a:effectRef idx="1">
-              <a:schemeClr val="accent1"/>
-            </a:effectRef>
-            <a:fontRef idx="minor">
-              <a:schemeClr val="tx1"/>
-            </a:fontRef>
-          </p:style>
-        </p:cxnSp>
-        <p:cxnSp>
-          <p:nvCxnSpPr>
-            <p:cNvPr id="8" name="Connecteur droit avec flèche 7"/>
-            <p:cNvCxnSpPr>
-              <a:stCxn id="4" idx="1"/>
-            </p:cNvCxnSpPr>
-            <p:nvPr/>
-          </p:nvCxnSpPr>
-          <p:spPr>
-            <a:xfrm flipH="1">
-              <a:off x="4426000" y="4891929"/>
-              <a:ext cx="932169" cy="186414"/>
-            </a:xfrm>
-            <a:prstGeom prst="straightConnector1">
-              <a:avLst/>
-            </a:prstGeom>
-            <a:ln>
-              <a:solidFill>
-                <a:srgbClr val="F79646"/>
-              </a:solidFill>
-              <a:tailEnd type="arrow"/>
-            </a:ln>
-          </p:spPr>
-          <p:style>
-            <a:lnRef idx="2">
-              <a:schemeClr val="accent1"/>
-            </a:lnRef>
-            <a:fillRef idx="0">
-              <a:schemeClr val="accent1"/>
-            </a:fillRef>
-            <a:effectRef idx="1">
-              <a:schemeClr val="accent1"/>
-            </a:effectRef>
-            <a:fontRef idx="minor">
-              <a:schemeClr val="tx1"/>
-            </a:fontRef>
-          </p:style>
-        </p:cxnSp>
-        <p:cxnSp>
-          <p:nvCxnSpPr>
-            <p:cNvPr id="11" name="Connecteur droit avec flèche 10"/>
-            <p:cNvCxnSpPr>
-              <a:stCxn id="5" idx="1"/>
-            </p:cNvCxnSpPr>
-            <p:nvPr/>
-          </p:nvCxnSpPr>
-          <p:spPr>
-            <a:xfrm flipH="1" flipV="1">
-              <a:off x="4426000" y="5323950"/>
-              <a:ext cx="932169" cy="95084"/>
-            </a:xfrm>
-            <a:prstGeom prst="straightConnector1">
-              <a:avLst/>
-            </a:prstGeom>
-            <a:ln>
-              <a:solidFill>
-                <a:srgbClr val="F79646"/>
-              </a:solidFill>
-              <a:tailEnd type="arrow"/>
-            </a:ln>
-          </p:spPr>
-          <p:style>
-            <a:lnRef idx="2">
-              <a:schemeClr val="accent1"/>
-            </a:lnRef>
-            <a:fillRef idx="0">
-              <a:schemeClr val="accent1"/>
-            </a:fillRef>
-            <a:effectRef idx="1">
-              <a:schemeClr val="accent1"/>
-            </a:effectRef>
-            <a:fontRef idx="minor">
-              <a:schemeClr val="tx1"/>
-            </a:fontRef>
-          </p:style>
-        </p:cxnSp>
         <p:sp>
           <p:nvSpPr>
             <p:cNvPr id="14" name="Ellipse 13"/>
@@ -6319,7 +6315,7 @@
           </p:nvSpPr>
           <p:spPr>
             <a:xfrm>
-              <a:off x="4211479" y="5267794"/>
+              <a:off x="4211479" y="4610914"/>
               <a:ext cx="81564" cy="81556"/>
             </a:xfrm>
             <a:prstGeom prst="ellipse">

--- a/Ressources/Images/images.pptx
+++ b/Ressources/Images/images.pptx
@@ -195,7 +195,7 @@
           <a:p>
             <a:fld id="{B6B5C0F0-8EF0-0A4B-9E6F-A3A4D8EF6C8B}" type="datetimeFigureOut">
               <a:rPr lang="fr-FR" smtClean="0"/>
-              <a:t>13/05/17</a:t>
+              <a:t>17/05/17</a:t>
             </a:fld>
             <a:endParaRPr lang="fr-FR"/>
           </a:p>
@@ -1004,7 +1004,7 @@
           <a:p>
             <a:fld id="{5ECE0FF0-0B5A-0843-A407-9E3AB4806DF3}" type="datetimeFigureOut">
               <a:rPr lang="fr-FR" smtClean="0"/>
-              <a:t>13/05/17</a:t>
+              <a:t>17/05/17</a:t>
             </a:fld>
             <a:endParaRPr lang="fr-FR"/>
           </a:p>
@@ -1174,7 +1174,7 @@
           <a:p>
             <a:fld id="{5ECE0FF0-0B5A-0843-A407-9E3AB4806DF3}" type="datetimeFigureOut">
               <a:rPr lang="fr-FR" smtClean="0"/>
-              <a:t>13/05/17</a:t>
+              <a:t>17/05/17</a:t>
             </a:fld>
             <a:endParaRPr lang="fr-FR"/>
           </a:p>
@@ -1354,7 +1354,7 @@
           <a:p>
             <a:fld id="{5ECE0FF0-0B5A-0843-A407-9E3AB4806DF3}" type="datetimeFigureOut">
               <a:rPr lang="fr-FR" smtClean="0"/>
-              <a:t>13/05/17</a:t>
+              <a:t>17/05/17</a:t>
             </a:fld>
             <a:endParaRPr lang="fr-FR"/>
           </a:p>
@@ -1524,7 +1524,7 @@
           <a:p>
             <a:fld id="{5ECE0FF0-0B5A-0843-A407-9E3AB4806DF3}" type="datetimeFigureOut">
               <a:rPr lang="fr-FR" smtClean="0"/>
-              <a:t>13/05/17</a:t>
+              <a:t>17/05/17</a:t>
             </a:fld>
             <a:endParaRPr lang="fr-FR"/>
           </a:p>
@@ -1770,7 +1770,7 @@
           <a:p>
             <a:fld id="{5ECE0FF0-0B5A-0843-A407-9E3AB4806DF3}" type="datetimeFigureOut">
               <a:rPr lang="fr-FR" smtClean="0"/>
-              <a:t>13/05/17</a:t>
+              <a:t>17/05/17</a:t>
             </a:fld>
             <a:endParaRPr lang="fr-FR"/>
           </a:p>
@@ -2058,7 +2058,7 @@
           <a:p>
             <a:fld id="{5ECE0FF0-0B5A-0843-A407-9E3AB4806DF3}" type="datetimeFigureOut">
               <a:rPr lang="fr-FR" smtClean="0"/>
-              <a:t>13/05/17</a:t>
+              <a:t>17/05/17</a:t>
             </a:fld>
             <a:endParaRPr lang="fr-FR"/>
           </a:p>
@@ -2480,7 +2480,7 @@
           <a:p>
             <a:fld id="{5ECE0FF0-0B5A-0843-A407-9E3AB4806DF3}" type="datetimeFigureOut">
               <a:rPr lang="fr-FR" smtClean="0"/>
-              <a:t>13/05/17</a:t>
+              <a:t>17/05/17</a:t>
             </a:fld>
             <a:endParaRPr lang="fr-FR"/>
           </a:p>
@@ -2598,7 +2598,7 @@
           <a:p>
             <a:fld id="{5ECE0FF0-0B5A-0843-A407-9E3AB4806DF3}" type="datetimeFigureOut">
               <a:rPr lang="fr-FR" smtClean="0"/>
-              <a:t>13/05/17</a:t>
+              <a:t>17/05/17</a:t>
             </a:fld>
             <a:endParaRPr lang="fr-FR"/>
           </a:p>
@@ -2693,7 +2693,7 @@
           <a:p>
             <a:fld id="{5ECE0FF0-0B5A-0843-A407-9E3AB4806DF3}" type="datetimeFigureOut">
               <a:rPr lang="fr-FR" smtClean="0"/>
-              <a:t>13/05/17</a:t>
+              <a:t>17/05/17</a:t>
             </a:fld>
             <a:endParaRPr lang="fr-FR"/>
           </a:p>
@@ -2970,7 +2970,7 @@
           <a:p>
             <a:fld id="{5ECE0FF0-0B5A-0843-A407-9E3AB4806DF3}" type="datetimeFigureOut">
               <a:rPr lang="fr-FR" smtClean="0"/>
-              <a:t>13/05/17</a:t>
+              <a:t>17/05/17</a:t>
             </a:fld>
             <a:endParaRPr lang="fr-FR"/>
           </a:p>
@@ -3223,7 +3223,7 @@
           <a:p>
             <a:fld id="{5ECE0FF0-0B5A-0843-A407-9E3AB4806DF3}" type="datetimeFigureOut">
               <a:rPr lang="fr-FR" smtClean="0"/>
-              <a:t>13/05/17</a:t>
+              <a:t>17/05/17</a:t>
             </a:fld>
             <a:endParaRPr lang="fr-FR"/>
           </a:p>
@@ -3436,7 +3436,7 @@
           <a:p>
             <a:fld id="{5ECE0FF0-0B5A-0843-A407-9E3AB4806DF3}" type="datetimeFigureOut">
               <a:rPr lang="fr-FR" smtClean="0"/>
-              <a:t>13/05/17</a:t>
+              <a:t>17/05/17</a:t>
             </a:fld>
             <a:endParaRPr lang="fr-FR"/>
           </a:p>
@@ -5917,7 +5917,11 @@
               <a:pPr algn="ctr"/>
               <a:r>
                 <a:rPr lang="fr-FR" dirty="0" smtClean="0"/>
-                <a:t>40W</a:t>
+                <a:t>72</a:t>
+              </a:r>
+              <a:r>
+                <a:rPr lang="fr-FR" dirty="0" smtClean="0"/>
+                <a:t>W</a:t>
               </a:r>
               <a:endParaRPr lang="fr-FR" dirty="0"/>
             </a:p>
@@ -6297,11 +6301,7 @@
             <a:p>
               <a:r>
                 <a:rPr lang="fr-FR" dirty="0" smtClean="0"/>
-                <a:t>D9 </a:t>
-              </a:r>
-              <a:r>
-                <a:rPr lang="fr-FR" dirty="0" smtClean="0"/>
-                <a:t>PWM  Lacet</a:t>
+                <a:t>D9 PWM  Lacet</a:t>
               </a:r>
               <a:endParaRPr lang="fr-FR" dirty="0"/>
             </a:p>
